--- a/Présentations/2018.05.22 Présentation XFinance16.pptx
+++ b/Présentations/2018.05.22 Présentation XFinance16.pptx
@@ -5,15 +5,20 @@
     <p:sldMasterId id="2147483659" r:id="rId1"/>
   </p:sldMasterIdLst>
   <p:notesMasterIdLst>
-    <p:notesMasterId r:id="rId5"/>
+    <p:notesMasterId r:id="rId10"/>
   </p:notesMasterIdLst>
   <p:handoutMasterIdLst>
-    <p:handoutMasterId r:id="rId6"/>
+    <p:handoutMasterId r:id="rId11"/>
   </p:handoutMasterIdLst>
   <p:sldIdLst>
     <p:sldId id="258" r:id="rId2"/>
-    <p:sldId id="259" r:id="rId3"/>
-    <p:sldId id="260" r:id="rId4"/>
+    <p:sldId id="263" r:id="rId3"/>
+    <p:sldId id="264" r:id="rId4"/>
+    <p:sldId id="266" r:id="rId5"/>
+    <p:sldId id="267" r:id="rId6"/>
+    <p:sldId id="268" r:id="rId7"/>
+    <p:sldId id="259" r:id="rId8"/>
+    <p:sldId id="260" r:id="rId9"/>
   </p:sldIdLst>
   <p:sldSz cx="9144000" cy="5143500" type="screen16x9"/>
   <p:notesSz cx="6858000" cy="9144000"/>
@@ -250,10 +255,6 @@
     </p:ext>
   </p:extLst>
 </p:presentation>
-</file>
-
-<file path=ppt/revisionInfo.xml><?xml version="1.0" encoding="utf-8"?>
-<p1510:revInfo xmlns:a="http://schemas.openxmlformats.org/drawingml/2006/main" xmlns:r="http://schemas.openxmlformats.org/officeDocument/2006/relationships" xmlns:p1510="http://schemas.microsoft.com/office/powerpoint/2015/10/main"/>
 </file>
 
 <file path=ppt/handoutMasters/handoutMaster1.xml><?xml version="1.0" encoding="utf-8"?>
@@ -2167,10 +2168,9 @@
           <a:lstStyle/>
           <a:p>
             <a:r>
-              <a:rPr lang="fr-FR" dirty="0" smtClean="0"/>
+              <a:rPr lang="fr-FR" dirty="0"/>
               <a:t>Paris sportifs</a:t>
             </a:r>
-            <a:endParaRPr lang="fr-FR" dirty="0"/>
           </a:p>
         </p:txBody>
       </p:sp>
@@ -2190,24 +2190,20 @@
           <a:lstStyle/>
           <a:p>
             <a:r>
-              <a:rPr lang="fr-FR" dirty="0" smtClean="0"/>
-              <a:t>Yassin </a:t>
-            </a:r>
-            <a:r>
-              <a:rPr lang="fr-FR" dirty="0" err="1" smtClean="0"/>
+              <a:rPr lang="fr-FR" dirty="0"/>
+              <a:t>Romain </a:t>
+            </a:r>
+            <a:r>
+              <a:rPr lang="fr-FR" dirty="0" err="1"/>
+              <a:t>Fouilland</a:t>
+            </a:r>
+            <a:r>
+              <a:rPr lang="fr-FR" dirty="0"/>
+              <a:t>, Antoine Grosnit &amp; Yassin </a:t>
+            </a:r>
+            <a:r>
+              <a:rPr lang="fr-FR" dirty="0" err="1"/>
               <a:t>Hamaoui</a:t>
-            </a:r>
-            <a:r>
-              <a:rPr lang="fr-FR" dirty="0" smtClean="0"/>
-              <a:t>, Antoine </a:t>
-            </a:r>
-            <a:r>
-              <a:rPr lang="fr-FR" dirty="0" err="1" smtClean="0"/>
-              <a:t>Grosnit</a:t>
-            </a:r>
-            <a:r>
-              <a:rPr lang="fr-FR" dirty="0" smtClean="0"/>
-              <a:t> &amp; Romain Fouilland</a:t>
             </a:r>
             <a:endParaRPr lang="fr-FR" dirty="0"/>
           </a:p>
@@ -2234,10 +2230,9 @@
           <a:lstStyle/>
           <a:p>
             <a:r>
-              <a:rPr lang="fr-FR" dirty="0" smtClean="0"/>
+              <a:rPr lang="fr-FR" dirty="0"/>
               <a:t>22 mai 2018</a:t>
             </a:r>
-            <a:endParaRPr lang="fr-FR" dirty="0"/>
           </a:p>
         </p:txBody>
       </p:sp>
@@ -2305,10 +2300,1095 @@
           <a:bodyPr/>
           <a:lstStyle/>
           <a:p>
+            <a:pPr marL="0" marR="0" lvl="0" indent="0" algn="r" defTabSz="914400" rtl="0" eaLnBrk="1" fontAlgn="auto" latinLnBrk="0" hangingPunct="1">
+              <a:lnSpc>
+                <a:spcPct val="100000"/>
+              </a:lnSpc>
+              <a:spcBef>
+                <a:spcPts val="0"/>
+              </a:spcBef>
+              <a:spcAft>
+                <a:spcPts val="0"/>
+              </a:spcAft>
+              <a:buClrTx/>
+              <a:buSzTx/>
+              <a:buFontTx/>
+              <a:buNone/>
+              <a:tabLst/>
+              <a:defRPr/>
+            </a:pPr>
+            <a:fld id="{3864B25B-A71F-FF47-93CD-9A6DDB480E7B}" type="slidenum">
+              <a:rPr kumimoji="0" lang="fr-FR" sz="800" b="0" i="0" u="none" strike="noStrike" kern="0" cap="none" spc="0" normalizeH="0" baseline="0" noProof="0" smtClean="0">
+                <a:ln>
+                  <a:noFill/>
+                </a:ln>
+                <a:solidFill>
+                  <a:srgbClr val="003551"/>
+                </a:solidFill>
+                <a:effectLst/>
+                <a:uLnTx/>
+                <a:uFillTx/>
+                <a:latin typeface="Arial"/>
+                <a:cs typeface="Arial"/>
+                <a:sym typeface="Arial"/>
+              </a:rPr>
+              <a:pPr marL="0" marR="0" lvl="0" indent="0" algn="r" defTabSz="914400" rtl="0" eaLnBrk="1" fontAlgn="auto" latinLnBrk="0" hangingPunct="1">
+                <a:lnSpc>
+                  <a:spcPct val="100000"/>
+                </a:lnSpc>
+                <a:spcBef>
+                  <a:spcPts val="0"/>
+                </a:spcBef>
+                <a:spcAft>
+                  <a:spcPts val="0"/>
+                </a:spcAft>
+                <a:buClrTx/>
+                <a:buSzTx/>
+                <a:buFontTx/>
+                <a:buNone/>
+                <a:tabLst/>
+                <a:defRPr/>
+              </a:pPr>
+              <a:t>2</a:t>
+            </a:fld>
+            <a:endParaRPr kumimoji="0" lang="fr-FR" sz="800" b="0" i="0" u="none" strike="noStrike" kern="0" cap="none" spc="0" normalizeH="0" baseline="0" noProof="0" dirty="0">
+              <a:ln>
+                <a:noFill/>
+              </a:ln>
+              <a:solidFill>
+                <a:srgbClr val="003551"/>
+              </a:solidFill>
+              <a:effectLst/>
+              <a:uLnTx/>
+              <a:uFillTx/>
+              <a:latin typeface="Arial"/>
+              <a:cs typeface="Arial"/>
+              <a:sym typeface="Arial"/>
+            </a:endParaRPr>
+          </a:p>
+        </p:txBody>
+      </p:sp>
+      <p:sp>
+        <p:nvSpPr>
+          <p:cNvPr id="4" name="Espace réservé du texte 3"/>
+          <p:cNvSpPr>
+            <a:spLocks noGrp="1"/>
+          </p:cNvSpPr>
+          <p:nvPr>
+            <p:ph type="body" sz="quarter" idx="14"/>
+          </p:nvPr>
+        </p:nvSpPr>
+        <p:spPr/>
+        <p:txBody>
+          <a:bodyPr/>
+          <a:lstStyle/>
+          <a:p>
+            <a:r>
+              <a:rPr lang="fr-FR" dirty="0"/>
+              <a:t>Course de lévriers</a:t>
+            </a:r>
+          </a:p>
+        </p:txBody>
+      </p:sp>
+      <p:sp>
+        <p:nvSpPr>
+          <p:cNvPr id="5" name="Espace réservé du texte 4"/>
+          <p:cNvSpPr>
+            <a:spLocks noGrp="1"/>
+          </p:cNvSpPr>
+          <p:nvPr>
+            <p:ph type="body" sz="quarter" idx="15"/>
+          </p:nvPr>
+        </p:nvSpPr>
+        <p:spPr/>
+        <p:txBody>
+          <a:bodyPr/>
+          <a:lstStyle/>
+          <a:p>
+            <a:r>
+              <a:rPr lang="fr-FR" dirty="0"/>
+              <a:t>Paris sportifs</a:t>
+            </a:r>
+          </a:p>
+        </p:txBody>
+      </p:sp>
+      <p:sp>
+        <p:nvSpPr>
+          <p:cNvPr id="6" name="Espace réservé du texte 5"/>
+          <p:cNvSpPr>
+            <a:spLocks noGrp="1"/>
+          </p:cNvSpPr>
+          <p:nvPr>
+            <p:ph type="body" sz="quarter" idx="16"/>
+          </p:nvPr>
+        </p:nvSpPr>
+        <p:spPr/>
+        <p:txBody>
+          <a:bodyPr/>
+          <a:lstStyle/>
+          <a:p>
+            <a:r>
+              <a:rPr lang="fr-FR" dirty="0" err="1"/>
+              <a:t>BetFair</a:t>
+            </a:r>
+            <a:endParaRPr lang="fr-FR" dirty="0"/>
+          </a:p>
+          <a:p>
+            <a:pPr lvl="1"/>
+            <a:r>
+              <a:rPr lang="fr-FR" dirty="0"/>
+              <a:t>Data disponible gratuitement</a:t>
+            </a:r>
+          </a:p>
+          <a:p>
+            <a:pPr lvl="1"/>
+            <a:r>
+              <a:rPr lang="fr-FR" dirty="0"/>
+              <a:t>Plusieurs types de courses : hippiques, lévriers…</a:t>
+            </a:r>
+          </a:p>
+          <a:p>
+            <a:pPr lvl="1"/>
+            <a:r>
+              <a:rPr lang="fr-FR" dirty="0"/>
+              <a:t>Plusieurs types de paris : </a:t>
+            </a:r>
+            <a:r>
+              <a:rPr lang="fr-FR" dirty="0" err="1"/>
+              <a:t>win</a:t>
+            </a:r>
+            <a:r>
+              <a:rPr lang="fr-FR" dirty="0"/>
+              <a:t>, place…</a:t>
+            </a:r>
+          </a:p>
+          <a:p>
+            <a:pPr marL="431800" lvl="1" indent="0">
+              <a:buNone/>
+            </a:pPr>
+            <a:endParaRPr lang="fr-FR" dirty="0"/>
+          </a:p>
+        </p:txBody>
+      </p:sp>
+    </p:spTree>
+    <p:extLst>
+      <p:ext uri="{BB962C8B-B14F-4D97-AF65-F5344CB8AC3E}">
+        <p14:creationId xmlns:p14="http://schemas.microsoft.com/office/powerpoint/2010/main" val="4038440662"/>
+      </p:ext>
+    </p:extLst>
+  </p:cSld>
+  <p:clrMapOvr>
+    <a:masterClrMapping/>
+  </p:clrMapOvr>
+</p:sld>
+</file>
+
+<file path=ppt/slides/slide3.xml><?xml version="1.0" encoding="utf-8"?>
+<p:sld xmlns:a="http://schemas.openxmlformats.org/drawingml/2006/main" xmlns:r="http://schemas.openxmlformats.org/officeDocument/2006/relationships" xmlns:p="http://schemas.openxmlformats.org/presentationml/2006/main">
+  <p:cSld>
+    <p:spTree>
+      <p:nvGrpSpPr>
+        <p:cNvPr id="1" name=""/>
+        <p:cNvGrpSpPr/>
+        <p:nvPr/>
+      </p:nvGrpSpPr>
+      <p:grpSpPr>
+        <a:xfrm>
+          <a:off x="0" y="0"/>
+          <a:ext cx="0" cy="0"/>
+          <a:chOff x="0" y="0"/>
+          <a:chExt cx="0" cy="0"/>
+        </a:xfrm>
+      </p:grpSpPr>
+      <p:sp>
+        <p:nvSpPr>
+          <p:cNvPr id="2" name="Espace réservé du texte 1"/>
+          <p:cNvSpPr>
+            <a:spLocks noGrp="1"/>
+          </p:cNvSpPr>
+          <p:nvPr>
+            <p:ph type="body" sz="quarter" idx="13"/>
+          </p:nvPr>
+        </p:nvSpPr>
+        <p:spPr/>
+        <p:txBody>
+          <a:bodyPr/>
+          <a:lstStyle/>
+          <a:p>
+            <a:endParaRPr lang="fr-FR"/>
+          </a:p>
+        </p:txBody>
+      </p:sp>
+      <p:sp>
+        <p:nvSpPr>
+          <p:cNvPr id="3" name="Espace réservé du numéro de diapositive 2"/>
+          <p:cNvSpPr>
+            <a:spLocks noGrp="1"/>
+          </p:cNvSpPr>
+          <p:nvPr>
+            <p:ph type="sldNum" sz="quarter" idx="4"/>
+          </p:nvPr>
+        </p:nvSpPr>
+        <p:spPr/>
+        <p:txBody>
+          <a:bodyPr/>
+          <a:lstStyle/>
+          <a:p>
+            <a:pPr marL="0" marR="0" lvl="0" indent="0" algn="r" defTabSz="914400" rtl="0" eaLnBrk="1" fontAlgn="auto" latinLnBrk="0" hangingPunct="1">
+              <a:lnSpc>
+                <a:spcPct val="100000"/>
+              </a:lnSpc>
+              <a:spcBef>
+                <a:spcPts val="0"/>
+              </a:spcBef>
+              <a:spcAft>
+                <a:spcPts val="0"/>
+              </a:spcAft>
+              <a:buClrTx/>
+              <a:buSzTx/>
+              <a:buFontTx/>
+              <a:buNone/>
+              <a:tabLst/>
+              <a:defRPr/>
+            </a:pPr>
+            <a:fld id="{3864B25B-A71F-FF47-93CD-9A6DDB480E7B}" type="slidenum">
+              <a:rPr kumimoji="0" lang="fr-FR" sz="800" b="0" i="0" u="none" strike="noStrike" kern="0" cap="none" spc="0" normalizeH="0" baseline="0" noProof="0" smtClean="0">
+                <a:ln>
+                  <a:noFill/>
+                </a:ln>
+                <a:solidFill>
+                  <a:srgbClr val="003551"/>
+                </a:solidFill>
+                <a:effectLst/>
+                <a:uLnTx/>
+                <a:uFillTx/>
+                <a:latin typeface="Arial"/>
+                <a:cs typeface="Arial"/>
+                <a:sym typeface="Arial"/>
+              </a:rPr>
+              <a:pPr marL="0" marR="0" lvl="0" indent="0" algn="r" defTabSz="914400" rtl="0" eaLnBrk="1" fontAlgn="auto" latinLnBrk="0" hangingPunct="1">
+                <a:lnSpc>
+                  <a:spcPct val="100000"/>
+                </a:lnSpc>
+                <a:spcBef>
+                  <a:spcPts val="0"/>
+                </a:spcBef>
+                <a:spcAft>
+                  <a:spcPts val="0"/>
+                </a:spcAft>
+                <a:buClrTx/>
+                <a:buSzTx/>
+                <a:buFontTx/>
+                <a:buNone/>
+                <a:tabLst/>
+                <a:defRPr/>
+              </a:pPr>
+              <a:t>3</a:t>
+            </a:fld>
+            <a:endParaRPr kumimoji="0" lang="fr-FR" sz="800" b="0" i="0" u="none" strike="noStrike" kern="0" cap="none" spc="0" normalizeH="0" baseline="0" noProof="0" dirty="0">
+              <a:ln>
+                <a:noFill/>
+              </a:ln>
+              <a:solidFill>
+                <a:srgbClr val="003551"/>
+              </a:solidFill>
+              <a:effectLst/>
+              <a:uLnTx/>
+              <a:uFillTx/>
+              <a:latin typeface="Arial"/>
+              <a:cs typeface="Arial"/>
+              <a:sym typeface="Arial"/>
+            </a:endParaRPr>
+          </a:p>
+        </p:txBody>
+      </p:sp>
+      <p:sp>
+        <p:nvSpPr>
+          <p:cNvPr id="4" name="Espace réservé du texte 3"/>
+          <p:cNvSpPr>
+            <a:spLocks noGrp="1"/>
+          </p:cNvSpPr>
+          <p:nvPr>
+            <p:ph type="body" sz="quarter" idx="14"/>
+          </p:nvPr>
+        </p:nvSpPr>
+        <p:spPr/>
+        <p:txBody>
+          <a:bodyPr/>
+          <a:lstStyle/>
+          <a:p>
+            <a:r>
+              <a:rPr lang="fr-FR" dirty="0"/>
+              <a:t>Eléments statistiques</a:t>
+            </a:r>
+          </a:p>
+        </p:txBody>
+      </p:sp>
+      <p:sp>
+        <p:nvSpPr>
+          <p:cNvPr id="5" name="Espace réservé du texte 4"/>
+          <p:cNvSpPr>
+            <a:spLocks noGrp="1"/>
+          </p:cNvSpPr>
+          <p:nvPr>
+            <p:ph type="body" sz="quarter" idx="15"/>
+          </p:nvPr>
+        </p:nvSpPr>
+        <p:spPr/>
+        <p:txBody>
+          <a:bodyPr/>
+          <a:lstStyle/>
+          <a:p>
+            <a:r>
+              <a:rPr lang="fr-FR" dirty="0"/>
+              <a:t>Paris sportifs</a:t>
+            </a:r>
+          </a:p>
+        </p:txBody>
+      </p:sp>
+      <p:pic>
+        <p:nvPicPr>
+          <p:cNvPr id="8" name="Image 7">
+            <a:extLst>
+              <a:ext uri="{FF2B5EF4-FFF2-40B4-BE49-F238E27FC236}">
+                <a16:creationId xmlns:a16="http://schemas.microsoft.com/office/drawing/2014/main" id="{4FECE873-7699-46E6-BA6C-6B43336CA3C7}"/>
+              </a:ext>
+            </a:extLst>
+          </p:cNvPr>
+          <p:cNvPicPr>
+            <a:picLocks noChangeAspect="1"/>
+          </p:cNvPicPr>
+          <p:nvPr/>
+        </p:nvPicPr>
+        <p:blipFill>
+          <a:blip r:embed="rId2"/>
+          <a:stretch>
+            <a:fillRect/>
+          </a:stretch>
+        </p:blipFill>
+        <p:spPr>
+          <a:xfrm>
+            <a:off x="0" y="952204"/>
+            <a:ext cx="4894034" cy="3639937"/>
+          </a:xfrm>
+          <a:prstGeom prst="rect">
+            <a:avLst/>
+          </a:prstGeom>
+        </p:spPr>
+      </p:pic>
+      <p:pic>
+        <p:nvPicPr>
+          <p:cNvPr id="7" name="Image 6">
+            <a:extLst>
+              <a:ext uri="{FF2B5EF4-FFF2-40B4-BE49-F238E27FC236}">
+                <a16:creationId xmlns:a16="http://schemas.microsoft.com/office/drawing/2014/main" id="{C7C022DF-4A3A-4CBE-98FE-F485B0678A95}"/>
+              </a:ext>
+            </a:extLst>
+          </p:cNvPr>
+          <p:cNvPicPr>
+            <a:picLocks noChangeAspect="1"/>
+          </p:cNvPicPr>
+          <p:nvPr/>
+        </p:nvPicPr>
+        <p:blipFill rotWithShape="1">
+          <a:blip r:embed="rId3"/>
+          <a:srcRect r="5977"/>
+          <a:stretch/>
+        </p:blipFill>
+        <p:spPr>
+          <a:xfrm>
+            <a:off x="4547451" y="964309"/>
+            <a:ext cx="4596549" cy="3636000"/>
+          </a:xfrm>
+          <a:prstGeom prst="rect">
+            <a:avLst/>
+          </a:prstGeom>
+        </p:spPr>
+      </p:pic>
+    </p:spTree>
+    <p:extLst>
+      <p:ext uri="{BB962C8B-B14F-4D97-AF65-F5344CB8AC3E}">
+        <p14:creationId xmlns:p14="http://schemas.microsoft.com/office/powerpoint/2010/main" val="2810230672"/>
+      </p:ext>
+    </p:extLst>
+  </p:cSld>
+  <p:clrMapOvr>
+    <a:masterClrMapping/>
+  </p:clrMapOvr>
+</p:sld>
+</file>
+
+<file path=ppt/slides/slide4.xml><?xml version="1.0" encoding="utf-8"?>
+<p:sld xmlns:a="http://schemas.openxmlformats.org/drawingml/2006/main" xmlns:r="http://schemas.openxmlformats.org/officeDocument/2006/relationships" xmlns:p="http://schemas.openxmlformats.org/presentationml/2006/main">
+  <p:cSld>
+    <p:spTree>
+      <p:nvGrpSpPr>
+        <p:cNvPr id="1" name=""/>
+        <p:cNvGrpSpPr/>
+        <p:nvPr/>
+      </p:nvGrpSpPr>
+      <p:grpSpPr>
+        <a:xfrm>
+          <a:off x="0" y="0"/>
+          <a:ext cx="0" cy="0"/>
+          <a:chOff x="0" y="0"/>
+          <a:chExt cx="0" cy="0"/>
+        </a:xfrm>
+      </p:grpSpPr>
+      <p:sp>
+        <p:nvSpPr>
+          <p:cNvPr id="2" name="Espace réservé du texte 1"/>
+          <p:cNvSpPr>
+            <a:spLocks noGrp="1"/>
+          </p:cNvSpPr>
+          <p:nvPr>
+            <p:ph type="body" sz="quarter" idx="13"/>
+          </p:nvPr>
+        </p:nvSpPr>
+        <p:spPr/>
+        <p:txBody>
+          <a:bodyPr/>
+          <a:lstStyle/>
+          <a:p>
+            <a:endParaRPr lang="fr-FR"/>
+          </a:p>
+        </p:txBody>
+      </p:sp>
+      <p:sp>
+        <p:nvSpPr>
+          <p:cNvPr id="3" name="Espace réservé du numéro de diapositive 2"/>
+          <p:cNvSpPr>
+            <a:spLocks noGrp="1"/>
+          </p:cNvSpPr>
+          <p:nvPr>
+            <p:ph type="sldNum" sz="quarter" idx="4"/>
+          </p:nvPr>
+        </p:nvSpPr>
+        <p:spPr/>
+        <p:txBody>
+          <a:bodyPr/>
+          <a:lstStyle/>
+          <a:p>
+            <a:pPr marL="0" marR="0" lvl="0" indent="0" algn="r" defTabSz="914400" rtl="0" eaLnBrk="1" fontAlgn="auto" latinLnBrk="0" hangingPunct="1">
+              <a:lnSpc>
+                <a:spcPct val="100000"/>
+              </a:lnSpc>
+              <a:spcBef>
+                <a:spcPts val="0"/>
+              </a:spcBef>
+              <a:spcAft>
+                <a:spcPts val="0"/>
+              </a:spcAft>
+              <a:buClrTx/>
+              <a:buSzTx/>
+              <a:buFontTx/>
+              <a:buNone/>
+              <a:tabLst/>
+              <a:defRPr/>
+            </a:pPr>
+            <a:fld id="{3864B25B-A71F-FF47-93CD-9A6DDB480E7B}" type="slidenum">
+              <a:rPr kumimoji="0" lang="fr-FR" sz="800" b="0" i="0" u="none" strike="noStrike" kern="0" cap="none" spc="0" normalizeH="0" baseline="0" noProof="0" smtClean="0">
+                <a:ln>
+                  <a:noFill/>
+                </a:ln>
+                <a:solidFill>
+                  <a:srgbClr val="003551"/>
+                </a:solidFill>
+                <a:effectLst/>
+                <a:uLnTx/>
+                <a:uFillTx/>
+                <a:latin typeface="Arial"/>
+                <a:cs typeface="Arial"/>
+                <a:sym typeface="Arial"/>
+              </a:rPr>
+              <a:pPr marL="0" marR="0" lvl="0" indent="0" algn="r" defTabSz="914400" rtl="0" eaLnBrk="1" fontAlgn="auto" latinLnBrk="0" hangingPunct="1">
+                <a:lnSpc>
+                  <a:spcPct val="100000"/>
+                </a:lnSpc>
+                <a:spcBef>
+                  <a:spcPts val="0"/>
+                </a:spcBef>
+                <a:spcAft>
+                  <a:spcPts val="0"/>
+                </a:spcAft>
+                <a:buClrTx/>
+                <a:buSzTx/>
+                <a:buFontTx/>
+                <a:buNone/>
+                <a:tabLst/>
+                <a:defRPr/>
+              </a:pPr>
+              <a:t>4</a:t>
+            </a:fld>
+            <a:endParaRPr kumimoji="0" lang="fr-FR" sz="800" b="0" i="0" u="none" strike="noStrike" kern="0" cap="none" spc="0" normalizeH="0" baseline="0" noProof="0" dirty="0">
+              <a:ln>
+                <a:noFill/>
+              </a:ln>
+              <a:solidFill>
+                <a:srgbClr val="003551"/>
+              </a:solidFill>
+              <a:effectLst/>
+              <a:uLnTx/>
+              <a:uFillTx/>
+              <a:latin typeface="Arial"/>
+              <a:cs typeface="Arial"/>
+              <a:sym typeface="Arial"/>
+            </a:endParaRPr>
+          </a:p>
+        </p:txBody>
+      </p:sp>
+      <p:sp>
+        <p:nvSpPr>
+          <p:cNvPr id="4" name="Espace réservé du texte 3"/>
+          <p:cNvSpPr>
+            <a:spLocks noGrp="1"/>
+          </p:cNvSpPr>
+          <p:nvPr>
+            <p:ph type="body" sz="quarter" idx="14"/>
+          </p:nvPr>
+        </p:nvSpPr>
+        <p:spPr/>
+        <p:txBody>
+          <a:bodyPr/>
+          <a:lstStyle/>
+          <a:p>
+            <a:r>
+              <a:rPr lang="fr-FR" dirty="0"/>
+              <a:t>Eléments statistiques</a:t>
+            </a:r>
+          </a:p>
+        </p:txBody>
+      </p:sp>
+      <p:sp>
+        <p:nvSpPr>
+          <p:cNvPr id="5" name="Espace réservé du texte 4"/>
+          <p:cNvSpPr>
+            <a:spLocks noGrp="1"/>
+          </p:cNvSpPr>
+          <p:nvPr>
+            <p:ph type="body" sz="quarter" idx="15"/>
+          </p:nvPr>
+        </p:nvSpPr>
+        <p:spPr/>
+        <p:txBody>
+          <a:bodyPr/>
+          <a:lstStyle/>
+          <a:p>
+            <a:r>
+              <a:rPr lang="fr-FR" dirty="0"/>
+              <a:t>Paris sportifs</a:t>
+            </a:r>
+          </a:p>
+        </p:txBody>
+      </p:sp>
+      <p:pic>
+        <p:nvPicPr>
+          <p:cNvPr id="9" name="Image 8">
+            <a:extLst>
+              <a:ext uri="{FF2B5EF4-FFF2-40B4-BE49-F238E27FC236}">
+                <a16:creationId xmlns:a16="http://schemas.microsoft.com/office/drawing/2014/main" id="{0DA568F9-5A0D-455F-9F8E-224AD64152F1}"/>
+              </a:ext>
+            </a:extLst>
+          </p:cNvPr>
+          <p:cNvPicPr>
+            <a:picLocks noChangeAspect="1"/>
+          </p:cNvPicPr>
+          <p:nvPr/>
+        </p:nvPicPr>
+        <p:blipFill>
+          <a:blip r:embed="rId2"/>
+          <a:stretch>
+            <a:fillRect/>
+          </a:stretch>
+        </p:blipFill>
+        <p:spPr>
+          <a:xfrm>
+            <a:off x="214206" y="905616"/>
+            <a:ext cx="5287343" cy="3672776"/>
+          </a:xfrm>
+          <a:prstGeom prst="rect">
+            <a:avLst/>
+          </a:prstGeom>
+        </p:spPr>
+      </p:pic>
+    </p:spTree>
+    <p:extLst>
+      <p:ext uri="{BB962C8B-B14F-4D97-AF65-F5344CB8AC3E}">
+        <p14:creationId xmlns:p14="http://schemas.microsoft.com/office/powerpoint/2010/main" val="2027495959"/>
+      </p:ext>
+    </p:extLst>
+  </p:cSld>
+  <p:clrMapOvr>
+    <a:masterClrMapping/>
+  </p:clrMapOvr>
+</p:sld>
+</file>
+
+<file path=ppt/slides/slide5.xml><?xml version="1.0" encoding="utf-8"?>
+<p:sld xmlns:a="http://schemas.openxmlformats.org/drawingml/2006/main" xmlns:r="http://schemas.openxmlformats.org/officeDocument/2006/relationships" xmlns:p="http://schemas.openxmlformats.org/presentationml/2006/main">
+  <p:cSld>
+    <p:spTree>
+      <p:nvGrpSpPr>
+        <p:cNvPr id="1" name=""/>
+        <p:cNvGrpSpPr/>
+        <p:nvPr/>
+      </p:nvGrpSpPr>
+      <p:grpSpPr>
+        <a:xfrm>
+          <a:off x="0" y="0"/>
+          <a:ext cx="0" cy="0"/>
+          <a:chOff x="0" y="0"/>
+          <a:chExt cx="0" cy="0"/>
+        </a:xfrm>
+      </p:grpSpPr>
+      <p:sp>
+        <p:nvSpPr>
+          <p:cNvPr id="2" name="Espace réservé du texte 1"/>
+          <p:cNvSpPr>
+            <a:spLocks noGrp="1"/>
+          </p:cNvSpPr>
+          <p:nvPr>
+            <p:ph type="body" sz="quarter" idx="13"/>
+          </p:nvPr>
+        </p:nvSpPr>
+        <p:spPr/>
+        <p:txBody>
+          <a:bodyPr/>
+          <a:lstStyle/>
+          <a:p>
+            <a:endParaRPr lang="fr-FR"/>
+          </a:p>
+        </p:txBody>
+      </p:sp>
+      <p:sp>
+        <p:nvSpPr>
+          <p:cNvPr id="3" name="Espace réservé du numéro de diapositive 2"/>
+          <p:cNvSpPr>
+            <a:spLocks noGrp="1"/>
+          </p:cNvSpPr>
+          <p:nvPr>
+            <p:ph type="sldNum" sz="quarter" idx="4"/>
+          </p:nvPr>
+        </p:nvSpPr>
+        <p:spPr/>
+        <p:txBody>
+          <a:bodyPr/>
+          <a:lstStyle/>
+          <a:p>
+            <a:pPr marL="0" marR="0" lvl="0" indent="0" algn="r" defTabSz="914400" rtl="0" eaLnBrk="1" fontAlgn="auto" latinLnBrk="0" hangingPunct="1">
+              <a:lnSpc>
+                <a:spcPct val="100000"/>
+              </a:lnSpc>
+              <a:spcBef>
+                <a:spcPts val="0"/>
+              </a:spcBef>
+              <a:spcAft>
+                <a:spcPts val="0"/>
+              </a:spcAft>
+              <a:buClrTx/>
+              <a:buSzTx/>
+              <a:buFontTx/>
+              <a:buNone/>
+              <a:tabLst/>
+              <a:defRPr/>
+            </a:pPr>
+            <a:fld id="{3864B25B-A71F-FF47-93CD-9A6DDB480E7B}" type="slidenum">
+              <a:rPr kumimoji="0" lang="fr-FR" sz="800" b="0" i="0" u="none" strike="noStrike" kern="0" cap="none" spc="0" normalizeH="0" baseline="0" noProof="0" smtClean="0">
+                <a:ln>
+                  <a:noFill/>
+                </a:ln>
+                <a:solidFill>
+                  <a:srgbClr val="003551"/>
+                </a:solidFill>
+                <a:effectLst/>
+                <a:uLnTx/>
+                <a:uFillTx/>
+                <a:latin typeface="Arial"/>
+                <a:cs typeface="Arial"/>
+                <a:sym typeface="Arial"/>
+              </a:rPr>
+              <a:pPr marL="0" marR="0" lvl="0" indent="0" algn="r" defTabSz="914400" rtl="0" eaLnBrk="1" fontAlgn="auto" latinLnBrk="0" hangingPunct="1">
+                <a:lnSpc>
+                  <a:spcPct val="100000"/>
+                </a:lnSpc>
+                <a:spcBef>
+                  <a:spcPts val="0"/>
+                </a:spcBef>
+                <a:spcAft>
+                  <a:spcPts val="0"/>
+                </a:spcAft>
+                <a:buClrTx/>
+                <a:buSzTx/>
+                <a:buFontTx/>
+                <a:buNone/>
+                <a:tabLst/>
+                <a:defRPr/>
+              </a:pPr>
+              <a:t>5</a:t>
+            </a:fld>
+            <a:endParaRPr kumimoji="0" lang="fr-FR" sz="800" b="0" i="0" u="none" strike="noStrike" kern="0" cap="none" spc="0" normalizeH="0" baseline="0" noProof="0" dirty="0">
+              <a:ln>
+                <a:noFill/>
+              </a:ln>
+              <a:solidFill>
+                <a:srgbClr val="003551"/>
+              </a:solidFill>
+              <a:effectLst/>
+              <a:uLnTx/>
+              <a:uFillTx/>
+              <a:latin typeface="Arial"/>
+              <a:cs typeface="Arial"/>
+              <a:sym typeface="Arial"/>
+            </a:endParaRPr>
+          </a:p>
+        </p:txBody>
+      </p:sp>
+      <p:sp>
+        <p:nvSpPr>
+          <p:cNvPr id="4" name="Espace réservé du texte 3"/>
+          <p:cNvSpPr>
+            <a:spLocks noGrp="1"/>
+          </p:cNvSpPr>
+          <p:nvPr>
+            <p:ph type="body" sz="quarter" idx="14"/>
+          </p:nvPr>
+        </p:nvSpPr>
+        <p:spPr/>
+        <p:txBody>
+          <a:bodyPr/>
+          <a:lstStyle/>
+          <a:p>
+            <a:r>
+              <a:rPr lang="fr-FR" dirty="0"/>
+              <a:t>Eléments statistiques</a:t>
+            </a:r>
+          </a:p>
+        </p:txBody>
+      </p:sp>
+      <p:sp>
+        <p:nvSpPr>
+          <p:cNvPr id="5" name="Espace réservé du texte 4"/>
+          <p:cNvSpPr>
+            <a:spLocks noGrp="1"/>
+          </p:cNvSpPr>
+          <p:nvPr>
+            <p:ph type="body" sz="quarter" idx="15"/>
+          </p:nvPr>
+        </p:nvSpPr>
+        <p:spPr/>
+        <p:txBody>
+          <a:bodyPr/>
+          <a:lstStyle/>
+          <a:p>
+            <a:r>
+              <a:rPr lang="fr-FR" dirty="0"/>
+              <a:t>Paris sportifs</a:t>
+            </a:r>
+          </a:p>
+        </p:txBody>
+      </p:sp>
+      <p:pic>
+        <p:nvPicPr>
+          <p:cNvPr id="9" name="Image 8">
+            <a:extLst>
+              <a:ext uri="{FF2B5EF4-FFF2-40B4-BE49-F238E27FC236}">
+                <a16:creationId xmlns:a16="http://schemas.microsoft.com/office/drawing/2014/main" id="{4968A32F-BF45-47B5-9C49-40ACE6082FF5}"/>
+              </a:ext>
+            </a:extLst>
+          </p:cNvPr>
+          <p:cNvPicPr>
+            <a:picLocks noChangeAspect="1"/>
+          </p:cNvPicPr>
+          <p:nvPr/>
+        </p:nvPicPr>
+        <p:blipFill rotWithShape="1">
+          <a:blip r:embed="rId2"/>
+          <a:srcRect l="3766" t="4590" r="4083" b="3237"/>
+          <a:stretch/>
+        </p:blipFill>
+        <p:spPr>
+          <a:xfrm>
+            <a:off x="628482" y="924653"/>
+            <a:ext cx="7887035" cy="3667280"/>
+          </a:xfrm>
+          <a:prstGeom prst="rect">
+            <a:avLst/>
+          </a:prstGeom>
+        </p:spPr>
+      </p:pic>
+    </p:spTree>
+    <p:extLst>
+      <p:ext uri="{BB962C8B-B14F-4D97-AF65-F5344CB8AC3E}">
+        <p14:creationId xmlns:p14="http://schemas.microsoft.com/office/powerpoint/2010/main" val="1097227743"/>
+      </p:ext>
+    </p:extLst>
+  </p:cSld>
+  <p:clrMapOvr>
+    <a:masterClrMapping/>
+  </p:clrMapOvr>
+</p:sld>
+</file>
+
+<file path=ppt/slides/slide6.xml><?xml version="1.0" encoding="utf-8"?>
+<p:sld xmlns:a="http://schemas.openxmlformats.org/drawingml/2006/main" xmlns:r="http://schemas.openxmlformats.org/officeDocument/2006/relationships" xmlns:p="http://schemas.openxmlformats.org/presentationml/2006/main">
+  <p:cSld>
+    <p:spTree>
+      <p:nvGrpSpPr>
+        <p:cNvPr id="1" name=""/>
+        <p:cNvGrpSpPr/>
+        <p:nvPr/>
+      </p:nvGrpSpPr>
+      <p:grpSpPr>
+        <a:xfrm>
+          <a:off x="0" y="0"/>
+          <a:ext cx="0" cy="0"/>
+          <a:chOff x="0" y="0"/>
+          <a:chExt cx="0" cy="0"/>
+        </a:xfrm>
+      </p:grpSpPr>
+      <p:sp>
+        <p:nvSpPr>
+          <p:cNvPr id="2" name="Espace réservé du texte 1"/>
+          <p:cNvSpPr>
+            <a:spLocks noGrp="1"/>
+          </p:cNvSpPr>
+          <p:nvPr>
+            <p:ph type="body" sz="quarter" idx="13"/>
+          </p:nvPr>
+        </p:nvSpPr>
+        <p:spPr/>
+        <p:txBody>
+          <a:bodyPr/>
+          <a:lstStyle/>
+          <a:p>
+            <a:endParaRPr lang="fr-FR"/>
+          </a:p>
+        </p:txBody>
+      </p:sp>
+      <p:sp>
+        <p:nvSpPr>
+          <p:cNvPr id="3" name="Espace réservé du numéro de diapositive 2"/>
+          <p:cNvSpPr>
+            <a:spLocks noGrp="1"/>
+          </p:cNvSpPr>
+          <p:nvPr>
+            <p:ph type="sldNum" sz="quarter" idx="4"/>
+          </p:nvPr>
+        </p:nvSpPr>
+        <p:spPr/>
+        <p:txBody>
+          <a:bodyPr/>
+          <a:lstStyle/>
+          <a:p>
+            <a:pPr marL="0" marR="0" lvl="0" indent="0" algn="r" defTabSz="914400" rtl="0" eaLnBrk="1" fontAlgn="auto" latinLnBrk="0" hangingPunct="1">
+              <a:lnSpc>
+                <a:spcPct val="100000"/>
+              </a:lnSpc>
+              <a:spcBef>
+                <a:spcPts val="0"/>
+              </a:spcBef>
+              <a:spcAft>
+                <a:spcPts val="0"/>
+              </a:spcAft>
+              <a:buClrTx/>
+              <a:buSzTx/>
+              <a:buFontTx/>
+              <a:buNone/>
+              <a:tabLst/>
+              <a:defRPr/>
+            </a:pPr>
+            <a:fld id="{3864B25B-A71F-FF47-93CD-9A6DDB480E7B}" type="slidenum">
+              <a:rPr kumimoji="0" lang="fr-FR" sz="800" b="0" i="0" u="none" strike="noStrike" kern="0" cap="none" spc="0" normalizeH="0" baseline="0" noProof="0" smtClean="0">
+                <a:ln>
+                  <a:noFill/>
+                </a:ln>
+                <a:solidFill>
+                  <a:srgbClr val="003551"/>
+                </a:solidFill>
+                <a:effectLst/>
+                <a:uLnTx/>
+                <a:uFillTx/>
+                <a:latin typeface="Arial"/>
+                <a:cs typeface="Arial"/>
+                <a:sym typeface="Arial"/>
+              </a:rPr>
+              <a:pPr marL="0" marR="0" lvl="0" indent="0" algn="r" defTabSz="914400" rtl="0" eaLnBrk="1" fontAlgn="auto" latinLnBrk="0" hangingPunct="1">
+                <a:lnSpc>
+                  <a:spcPct val="100000"/>
+                </a:lnSpc>
+                <a:spcBef>
+                  <a:spcPts val="0"/>
+                </a:spcBef>
+                <a:spcAft>
+                  <a:spcPts val="0"/>
+                </a:spcAft>
+                <a:buClrTx/>
+                <a:buSzTx/>
+                <a:buFontTx/>
+                <a:buNone/>
+                <a:tabLst/>
+                <a:defRPr/>
+              </a:pPr>
+              <a:t>6</a:t>
+            </a:fld>
+            <a:endParaRPr kumimoji="0" lang="fr-FR" sz="800" b="0" i="0" u="none" strike="noStrike" kern="0" cap="none" spc="0" normalizeH="0" baseline="0" noProof="0" dirty="0">
+              <a:ln>
+                <a:noFill/>
+              </a:ln>
+              <a:solidFill>
+                <a:srgbClr val="003551"/>
+              </a:solidFill>
+              <a:effectLst/>
+              <a:uLnTx/>
+              <a:uFillTx/>
+              <a:latin typeface="Arial"/>
+              <a:cs typeface="Arial"/>
+              <a:sym typeface="Arial"/>
+            </a:endParaRPr>
+          </a:p>
+        </p:txBody>
+      </p:sp>
+      <p:sp>
+        <p:nvSpPr>
+          <p:cNvPr id="4" name="Espace réservé du texte 3"/>
+          <p:cNvSpPr>
+            <a:spLocks noGrp="1"/>
+          </p:cNvSpPr>
+          <p:nvPr>
+            <p:ph type="body" sz="quarter" idx="14"/>
+          </p:nvPr>
+        </p:nvSpPr>
+        <p:spPr/>
+        <p:txBody>
+          <a:bodyPr/>
+          <a:lstStyle/>
+          <a:p>
+            <a:r>
+              <a:rPr lang="fr-FR" dirty="0"/>
+              <a:t>Eléments statistiques</a:t>
+            </a:r>
+          </a:p>
+        </p:txBody>
+      </p:sp>
+      <p:sp>
+        <p:nvSpPr>
+          <p:cNvPr id="5" name="Espace réservé du texte 4"/>
+          <p:cNvSpPr>
+            <a:spLocks noGrp="1"/>
+          </p:cNvSpPr>
+          <p:nvPr>
+            <p:ph type="body" sz="quarter" idx="15"/>
+          </p:nvPr>
+        </p:nvSpPr>
+        <p:spPr/>
+        <p:txBody>
+          <a:bodyPr/>
+          <a:lstStyle/>
+          <a:p>
+            <a:r>
+              <a:rPr lang="fr-FR" dirty="0"/>
+              <a:t>Paris sportifs</a:t>
+            </a:r>
+          </a:p>
+        </p:txBody>
+      </p:sp>
+      <p:pic>
+        <p:nvPicPr>
+          <p:cNvPr id="9" name="Image 8">
+            <a:extLst>
+              <a:ext uri="{FF2B5EF4-FFF2-40B4-BE49-F238E27FC236}">
+                <a16:creationId xmlns:a16="http://schemas.microsoft.com/office/drawing/2014/main" id="{4968A32F-BF45-47B5-9C49-40ACE6082FF5}"/>
+              </a:ext>
+            </a:extLst>
+          </p:cNvPr>
+          <p:cNvPicPr>
+            <a:picLocks noChangeAspect="1"/>
+          </p:cNvPicPr>
+          <p:nvPr/>
+        </p:nvPicPr>
+        <p:blipFill rotWithShape="1">
+          <a:blip r:embed="rId2"/>
+          <a:srcRect l="3766" t="4590" r="4083" b="3237"/>
+          <a:stretch/>
+        </p:blipFill>
+        <p:spPr>
+          <a:xfrm>
+            <a:off x="628482" y="924653"/>
+            <a:ext cx="7887035" cy="3667280"/>
+          </a:xfrm>
+          <a:prstGeom prst="rect">
+            <a:avLst/>
+          </a:prstGeom>
+        </p:spPr>
+      </p:pic>
+    </p:spTree>
+    <p:extLst>
+      <p:ext uri="{BB962C8B-B14F-4D97-AF65-F5344CB8AC3E}">
+        <p14:creationId xmlns:p14="http://schemas.microsoft.com/office/powerpoint/2010/main" val="3755653641"/>
+      </p:ext>
+    </p:extLst>
+  </p:cSld>
+  <p:clrMapOvr>
+    <a:masterClrMapping/>
+  </p:clrMapOvr>
+</p:sld>
+</file>
+
+<file path=ppt/slides/slide7.xml><?xml version="1.0" encoding="utf-8"?>
+<p:sld xmlns:a="http://schemas.openxmlformats.org/drawingml/2006/main" xmlns:r="http://schemas.openxmlformats.org/officeDocument/2006/relationships" xmlns:p="http://schemas.openxmlformats.org/presentationml/2006/main">
+  <p:cSld>
+    <p:spTree>
+      <p:nvGrpSpPr>
+        <p:cNvPr id="1" name=""/>
+        <p:cNvGrpSpPr/>
+        <p:nvPr/>
+      </p:nvGrpSpPr>
+      <p:grpSpPr>
+        <a:xfrm>
+          <a:off x="0" y="0"/>
+          <a:ext cx="0" cy="0"/>
+          <a:chOff x="0" y="0"/>
+          <a:chExt cx="0" cy="0"/>
+        </a:xfrm>
+      </p:grpSpPr>
+      <p:sp>
+        <p:nvSpPr>
+          <p:cNvPr id="2" name="Espace réservé du texte 1"/>
+          <p:cNvSpPr>
+            <a:spLocks noGrp="1"/>
+          </p:cNvSpPr>
+          <p:nvPr>
+            <p:ph type="body" sz="quarter" idx="13"/>
+          </p:nvPr>
+        </p:nvSpPr>
+        <p:spPr/>
+        <p:txBody>
+          <a:bodyPr/>
+          <a:lstStyle/>
+          <a:p>
+            <a:endParaRPr lang="fr-FR"/>
+          </a:p>
+        </p:txBody>
+      </p:sp>
+      <p:sp>
+        <p:nvSpPr>
+          <p:cNvPr id="3" name="Espace réservé du numéro de diapositive 2"/>
+          <p:cNvSpPr>
+            <a:spLocks noGrp="1"/>
+          </p:cNvSpPr>
+          <p:nvPr>
+            <p:ph type="sldNum" sz="quarter" idx="4"/>
+          </p:nvPr>
+        </p:nvSpPr>
+        <p:spPr/>
+        <p:txBody>
+          <a:bodyPr/>
+          <a:lstStyle/>
+          <a:p>
             <a:fld id="{3864B25B-A71F-FF47-93CD-9A6DDB480E7B}" type="slidenum">
               <a:rPr lang="fr-FR" smtClean="0"/>
               <a:pPr/>
-              <a:t>2</a:t>
+              <a:t>7</a:t>
             </a:fld>
             <a:endParaRPr lang="fr-FR" dirty="0"/>
           </a:p>
@@ -2330,10 +3410,9 @@
           <a:lstStyle/>
           <a:p>
             <a:r>
-              <a:rPr lang="fr-FR" dirty="0" smtClean="0"/>
+              <a:rPr lang="fr-FR" dirty="0"/>
               <a:t>Résultats actuels</a:t>
             </a:r>
-            <a:endParaRPr lang="fr-FR" dirty="0"/>
           </a:p>
         </p:txBody>
       </p:sp>
@@ -2353,15 +3432,14 @@
           <a:lstStyle/>
           <a:p>
             <a:r>
-              <a:rPr lang="fr-FR" dirty="0" smtClean="0"/>
+              <a:rPr lang="fr-FR" dirty="0"/>
               <a:t>Paris sportifs</a:t>
             </a:r>
-            <a:endParaRPr lang="fr-FR" dirty="0"/>
-          </a:p>
-        </p:txBody>
-      </p:sp>
-      <mc:AlternateContent xmlns:mc="http://schemas.openxmlformats.org/markup-compatibility/2006">
-        <mc:Choice xmlns:a14="http://schemas.microsoft.com/office/drawing/2010/main" Requires="a14">
+          </a:p>
+        </p:txBody>
+      </p:sp>
+      <mc:AlternateContent xmlns:mc="http://schemas.openxmlformats.org/markup-compatibility/2006" xmlns:a14="http://schemas.microsoft.com/office/drawing/2010/main">
+        <mc:Choice Requires="a14">
           <p:sp>
             <p:nvSpPr>
               <p:cNvPr id="6" name="Espace réservé du texte 5"/>
@@ -2378,34 +3456,30 @@
               <a:lstStyle/>
               <a:p>
                 <a:r>
-                  <a:rPr lang="fr-FR" dirty="0" smtClean="0"/>
+                  <a:rPr lang="fr-FR" dirty="0"/>
                   <a:t>Traitement des données</a:t>
                 </a:r>
-                <a:endParaRPr lang="fr-FR" dirty="0"/>
               </a:p>
               <a:p>
                 <a:pPr lvl="1"/>
                 <a:r>
-                  <a:rPr lang="fr-FR" dirty="0" smtClean="0"/>
+                  <a:rPr lang="fr-FR" dirty="0"/>
                   <a:t>Id différentes</a:t>
                 </a:r>
-                <a:endParaRPr lang="fr-FR" dirty="0"/>
               </a:p>
               <a:p>
                 <a:pPr lvl="1"/>
                 <a:r>
-                  <a:rPr lang="fr-FR" dirty="0" smtClean="0"/>
+                  <a:rPr lang="fr-FR" dirty="0"/>
                   <a:t>Noms des lévriers</a:t>
                 </a:r>
-                <a:endParaRPr lang="fr-FR" dirty="0"/>
               </a:p>
               <a:p>
                 <a:pPr lvl="1"/>
                 <a:r>
-                  <a:rPr lang="fr-FR" dirty="0" smtClean="0"/>
+                  <a:rPr lang="fr-FR" dirty="0"/>
                   <a:t>Dossards, majuscule, …</a:t>
                 </a:r>
-                <a:endParaRPr lang="fr-FR" dirty="0"/>
               </a:p>
               <a:p>
                 <a:pPr lvl="1"/>
@@ -2424,7 +3498,7 @@
               <a:p>
                 <a:pPr lvl="1"/>
                 <a:r>
-                  <a:rPr lang="fr-FR" dirty="0" smtClean="0"/>
+                  <a:rPr lang="fr-FR" dirty="0"/>
                   <a:t>Moyenne pondérée en </a:t>
                 </a:r>
                 <a14:m>
@@ -2469,18 +3543,18 @@
                     </m:f>
                   </m:oMath>
                 </a14:m>
-                <a:endParaRPr lang="fr-FR" dirty="0" smtClean="0"/>
+                <a:endParaRPr lang="fr-FR" dirty="0"/>
               </a:p>
               <a:p>
                 <a:pPr lvl="1"/>
                 <a:r>
-                  <a:rPr lang="fr-FR" dirty="0" smtClean="0"/>
+                  <a:rPr lang="fr-FR" dirty="0"/>
                   <a:t>Au moins 2 lévriers</a:t>
                 </a:r>
               </a:p>
               <a:p>
                 <a:pPr lvl="1"/>
-                <a:endParaRPr lang="fr-FR" dirty="0" smtClean="0"/>
+                <a:endParaRPr lang="fr-FR" dirty="0"/>
               </a:p>
               <a:p>
                 <a:pPr lvl="1"/>
@@ -2488,31 +3562,28 @@
               </a:p>
               <a:p>
                 <a:r>
-                  <a:rPr lang="fr-FR" dirty="0" smtClean="0"/>
+                  <a:rPr lang="fr-FR" dirty="0"/>
                   <a:t>Résultats</a:t>
                 </a:r>
-                <a:endParaRPr lang="fr-FR" dirty="0"/>
               </a:p>
               <a:p>
                 <a:pPr lvl="1"/>
                 <a:r>
-                  <a:rPr lang="fr-FR" dirty="0" smtClean="0"/>
+                  <a:rPr lang="fr-FR" dirty="0"/>
                   <a:t>5 ans d’apprentissage pour 6 mois de paris</a:t>
                 </a:r>
-                <a:endParaRPr lang="fr-FR" dirty="0"/>
               </a:p>
               <a:p>
                 <a:pPr lvl="1"/>
                 <a:r>
-                  <a:rPr lang="fr-FR" dirty="0" smtClean="0"/>
+                  <a:rPr lang="fr-FR" dirty="0"/>
                   <a:t>45,8%</a:t>
                 </a:r>
-                <a:endParaRPr lang="fr-FR" dirty="0"/>
               </a:p>
             </p:txBody>
           </p:sp>
         </mc:Choice>
-        <mc:Fallback>
+        <mc:Fallback xmlns="">
           <p:sp>
             <p:nvSpPr>
               <p:cNvPr id="6" name="Espace réservé du texte 5"/>
@@ -2559,7 +3630,7 @@
 </p:sld>
 </file>
 
-<file path=ppt/slides/slide3.xml><?xml version="1.0" encoding="utf-8"?>
+<file path=ppt/slides/slide8.xml><?xml version="1.0" encoding="utf-8"?>
 <p:sld xmlns:a="http://schemas.openxmlformats.org/drawingml/2006/main" xmlns:r="http://schemas.openxmlformats.org/officeDocument/2006/relationships" xmlns:p="http://schemas.openxmlformats.org/presentationml/2006/main">
   <p:cSld>
     <p:spTree>
@@ -2613,7 +3684,7 @@
             <a:fld id="{3864B25B-A71F-FF47-93CD-9A6DDB480E7B}" type="slidenum">
               <a:rPr lang="fr-FR" smtClean="0"/>
               <a:pPr/>
-              <a:t>3</a:t>
+              <a:t>8</a:t>
             </a:fld>
             <a:endParaRPr lang="fr-FR" dirty="0"/>
           </a:p>
@@ -2635,10 +3706,9 @@
           <a:lstStyle/>
           <a:p>
             <a:r>
-              <a:rPr lang="fr-FR" dirty="0" smtClean="0"/>
+              <a:rPr lang="fr-FR" dirty="0"/>
               <a:t>Développements futurs</a:t>
             </a:r>
-            <a:endParaRPr lang="fr-FR" dirty="0"/>
           </a:p>
         </p:txBody>
       </p:sp>
@@ -2658,7 +3728,7 @@
           <a:lstStyle/>
           <a:p>
             <a:r>
-              <a:rPr lang="fr-FR" smtClean="0"/>
+              <a:rPr lang="fr-FR"/>
               <a:t>Paris sportifs</a:t>
             </a:r>
             <a:endParaRPr lang="fr-FR" dirty="0"/>
@@ -2681,57 +3751,57 @@
           <a:lstStyle/>
           <a:p>
             <a:r>
-              <a:rPr lang="fr-FR" dirty="0" smtClean="0"/>
+              <a:rPr lang="fr-FR" dirty="0"/>
               <a:t>Données</a:t>
             </a:r>
           </a:p>
           <a:p>
             <a:pPr lvl="1"/>
             <a:r>
-              <a:rPr lang="fr-FR" dirty="0" smtClean="0"/>
+              <a:rPr lang="fr-FR" dirty="0"/>
               <a:t>Courses en « </a:t>
             </a:r>
             <a:r>
-              <a:rPr lang="fr-FR" dirty="0" err="1" smtClean="0"/>
+              <a:rPr lang="fr-FR" dirty="0" err="1"/>
               <a:t>win</a:t>
             </a:r>
             <a:r>
-              <a:rPr lang="fr-FR" dirty="0" smtClean="0"/>
+              <a:rPr lang="fr-FR" dirty="0"/>
               <a:t> » : classement plus fin</a:t>
             </a:r>
           </a:p>
           <a:p>
             <a:pPr lvl="1"/>
             <a:r>
-              <a:rPr lang="fr-FR" dirty="0" smtClean="0"/>
+              <a:rPr lang="fr-FR" dirty="0"/>
               <a:t>Courses de chevaux : volume de données </a:t>
             </a:r>
           </a:p>
           <a:p>
             <a:pPr lvl="1"/>
             <a:r>
-              <a:rPr lang="fr-FR" dirty="0" smtClean="0"/>
+              <a:rPr lang="fr-FR" dirty="0"/>
               <a:t>Données françaises</a:t>
             </a:r>
-          </a:p>
-          <a:p>
-            <a:pPr lvl="1"/>
-            <a:endParaRPr lang="fr-FR" dirty="0" smtClean="0"/>
           </a:p>
           <a:p>
             <a:pPr lvl="1"/>
             <a:endParaRPr lang="fr-FR" dirty="0"/>
           </a:p>
           <a:p>
-            <a:r>
-              <a:rPr lang="fr-FR" dirty="0" smtClean="0"/>
+            <a:pPr lvl="1"/>
+            <a:endParaRPr lang="fr-FR" dirty="0"/>
+          </a:p>
+          <a:p>
+            <a:r>
+              <a:rPr lang="fr-FR" dirty="0"/>
               <a:t>Stratégie</a:t>
             </a:r>
           </a:p>
           <a:p>
             <a:pPr lvl="1"/>
             <a:r>
-              <a:rPr lang="fr-FR" dirty="0" smtClean="0"/>
+              <a:rPr lang="fr-FR" dirty="0"/>
               <a:t>Prise en compte du temps</a:t>
             </a:r>
           </a:p>
@@ -2750,50 +3820,49 @@
               <a:t> </a:t>
             </a:r>
             <a:r>
-              <a:rPr lang="fr-FR" dirty="0" err="1" smtClean="0"/>
+              <a:rPr lang="fr-FR" dirty="0" err="1"/>
               <a:t>average</a:t>
             </a:r>
             <a:r>
-              <a:rPr lang="fr-FR" dirty="0" smtClean="0"/>
+              <a:rPr lang="fr-FR" dirty="0"/>
               <a:t> »</a:t>
             </a:r>
           </a:p>
           <a:p>
             <a:pPr lvl="1"/>
             <a:r>
-              <a:rPr lang="fr-FR" dirty="0" smtClean="0"/>
+              <a:rPr lang="fr-FR" dirty="0"/>
               <a:t>Influence des séries temporelles (santé)</a:t>
             </a:r>
-          </a:p>
-          <a:p>
-            <a:pPr lvl="1"/>
-            <a:endParaRPr lang="fr-FR" dirty="0" smtClean="0"/>
           </a:p>
           <a:p>
             <a:pPr lvl="1"/>
             <a:endParaRPr lang="fr-FR" dirty="0"/>
           </a:p>
           <a:p>
-            <a:r>
-              <a:rPr lang="fr-FR" dirty="0" err="1" smtClean="0"/>
+            <a:pPr lvl="1"/>
+            <a:endParaRPr lang="fr-FR" dirty="0"/>
+          </a:p>
+          <a:p>
+            <a:r>
+              <a:rPr lang="fr-FR" dirty="0" err="1"/>
               <a:t>Backtest</a:t>
             </a:r>
-            <a:endParaRPr lang="fr-FR" dirty="0" smtClean="0"/>
+            <a:endParaRPr lang="fr-FR" dirty="0"/>
           </a:p>
           <a:p>
             <a:pPr lvl="1"/>
             <a:r>
-              <a:rPr lang="fr-FR" dirty="0" smtClean="0"/>
+              <a:rPr lang="fr-FR" dirty="0"/>
               <a:t>Prise en compte de la cote</a:t>
             </a:r>
           </a:p>
           <a:p>
             <a:pPr lvl="1"/>
             <a:r>
-              <a:rPr lang="fr-FR" dirty="0" smtClean="0"/>
+              <a:rPr lang="fr-FR" dirty="0"/>
               <a:t>Scores relatifs</a:t>
             </a:r>
-            <a:endParaRPr lang="fr-FR" dirty="0"/>
           </a:p>
         </p:txBody>
       </p:sp>
@@ -2807,13 +3876,6 @@
   <p:clrMapOvr>
     <a:masterClrMapping/>
   </p:clrMapOvr>
-  <p:timing>
-    <p:tnLst>
-      <p:par>
-        <p:cTn id="1" dur="indefinite" restart="never" nodeType="tmRoot"/>
-      </p:par>
-    </p:tnLst>
-  </p:timing>
 </p:sld>
 </file>
 

--- a/Présentations/2018.05.22 Présentation XFinance16.pptx
+++ b/Présentations/2018.05.22 Présentation XFinance16.pptx
@@ -339,7 +339,7 @@
           <a:p>
             <a:fld id="{61342C09-FA5E-E94C-A85B-3E5582E85A57}" type="datetimeFigureOut">
               <a:rPr lang="fr-FR" smtClean="0"/>
-              <a:t>21/05/2018</a:t>
+              <a:t>22/05/2018</a:t>
             </a:fld>
             <a:endParaRPr lang="fr-FR"/>
           </a:p>
@@ -3438,8 +3438,8 @@
           </a:p>
         </p:txBody>
       </p:sp>
-      <mc:AlternateContent xmlns:mc="http://schemas.openxmlformats.org/markup-compatibility/2006" xmlns:a14="http://schemas.microsoft.com/office/drawing/2010/main">
-        <mc:Choice Requires="a14">
+      <mc:AlternateContent xmlns:mc="http://schemas.openxmlformats.org/markup-compatibility/2006">
+        <mc:Choice xmlns:a14="http://schemas.microsoft.com/office/drawing/2010/main" Requires="a14">
           <p:sp>
             <p:nvSpPr>
               <p:cNvPr id="6" name="Espace réservé du texte 5"/>
@@ -3577,13 +3577,18 @@
                 <a:pPr lvl="1"/>
                 <a:r>
                   <a:rPr lang="fr-FR" dirty="0"/>
-                  <a:t>45,8%</a:t>
+                  <a:t>45,8</a:t>
                 </a:r>
+                <a:r>
+                  <a:rPr lang="fr-FR" dirty="0" smtClean="0"/>
+                  <a:t>% en 10 minutes</a:t>
+                </a:r>
+                <a:endParaRPr lang="fr-FR" dirty="0"/>
               </a:p>
             </p:txBody>
           </p:sp>
         </mc:Choice>
-        <mc:Fallback xmlns="">
+        <mc:Fallback>
           <p:sp>
             <p:nvSpPr>
               <p:cNvPr id="6" name="Espace réservé du texte 5"/>
@@ -3832,8 +3837,20 @@
             <a:pPr lvl="1"/>
             <a:r>
               <a:rPr lang="fr-FR" dirty="0"/>
-              <a:t>Influence des séries temporelles (santé)</a:t>
-            </a:r>
+              <a:t>Influence des séries temporelles (santé</a:t>
+            </a:r>
+            <a:r>
+              <a:rPr lang="fr-FR" dirty="0" smtClean="0"/>
+              <a:t>)</a:t>
+            </a:r>
+          </a:p>
+          <a:p>
+            <a:pPr lvl="1"/>
+            <a:r>
+              <a:rPr lang="fr-FR" dirty="0" smtClean="0"/>
+              <a:t>Paris avec suffisamment d’infos</a:t>
+            </a:r>
+            <a:endParaRPr lang="fr-FR" dirty="0"/>
           </a:p>
           <a:p>
             <a:pPr lvl="1"/>

--- a/Présentations/2018.05.22 Présentation XFinance16.pptx
+++ b/Présentations/2018.05.22 Présentation XFinance16.pptx
@@ -5,10 +5,10 @@
     <p:sldMasterId id="2147483659" r:id="rId1"/>
   </p:sldMasterIdLst>
   <p:notesMasterIdLst>
-    <p:notesMasterId r:id="rId10"/>
+    <p:notesMasterId r:id="rId11"/>
   </p:notesMasterIdLst>
   <p:handoutMasterIdLst>
-    <p:handoutMasterId r:id="rId11"/>
+    <p:handoutMasterId r:id="rId12"/>
   </p:handoutMasterIdLst>
   <p:sldIdLst>
     <p:sldId id="258" r:id="rId2"/>
@@ -16,9 +16,10 @@
     <p:sldId id="264" r:id="rId4"/>
     <p:sldId id="266" r:id="rId5"/>
     <p:sldId id="267" r:id="rId6"/>
-    <p:sldId id="268" r:id="rId7"/>
+    <p:sldId id="270" r:id="rId7"/>
     <p:sldId id="259" r:id="rId8"/>
     <p:sldId id="260" r:id="rId9"/>
+    <p:sldId id="269" r:id="rId10"/>
   </p:sldIdLst>
   <p:sldSz cx="9144000" cy="5143500" type="screen16x9"/>
   <p:notesSz cx="6858000" cy="9144000"/>
@@ -2470,6 +2471,35 @@
           </a:p>
         </p:txBody>
       </p:sp>
+      <p:pic>
+        <p:nvPicPr>
+          <p:cNvPr id="7" name="Image 6">
+            <a:extLst>
+              <a:ext uri="{FF2B5EF4-FFF2-40B4-BE49-F238E27FC236}">
+                <a16:creationId xmlns:a16="http://schemas.microsoft.com/office/drawing/2014/main" id="{ADCF52CB-C7A0-4390-80ED-9805BBBF3252}"/>
+              </a:ext>
+            </a:extLst>
+          </p:cNvPr>
+          <p:cNvPicPr>
+            <a:picLocks noChangeAspect="1"/>
+          </p:cNvPicPr>
+          <p:nvPr/>
+        </p:nvPicPr>
+        <p:blipFill rotWithShape="1">
+          <a:blip r:embed="rId2"/>
+          <a:srcRect b="45711"/>
+          <a:stretch/>
+        </p:blipFill>
+        <p:spPr>
+          <a:xfrm>
+            <a:off x="1002166" y="2023807"/>
+            <a:ext cx="7162800" cy="2295939"/>
+          </a:xfrm>
+          <a:prstGeom prst="rect">
+            <a:avLst/>
+          </a:prstGeom>
+        </p:spPr>
+      </p:pic>
     </p:spTree>
     <p:extLst>
       <p:ext uri="{BB962C8B-B14F-4D97-AF65-F5344CB8AC3E}">
@@ -2619,7 +2649,7 @@
           <a:p>
             <a:r>
               <a:rPr lang="fr-FR" dirty="0"/>
-              <a:t>Eléments statistiques</a:t>
+              <a:t>Eléments statistiques : 01/01/13 – 01/05/18</a:t>
             </a:r>
           </a:p>
         </p:txBody>
@@ -2854,7 +2884,7 @@
           <a:p>
             <a:r>
               <a:rPr lang="fr-FR" dirty="0"/>
-              <a:t>Eléments statistiques</a:t>
+              <a:t>Eléments statistiques : 01/01/13 – 01/05/18</a:t>
             </a:r>
           </a:p>
         </p:txBody>
@@ -2903,8 +2933,38 @@
         </p:blipFill>
         <p:spPr>
           <a:xfrm>
-            <a:off x="214206" y="905616"/>
-            <a:ext cx="5287343" cy="3672776"/>
+            <a:off x="94621" y="1092618"/>
+            <a:ext cx="4566516" cy="3172064"/>
+          </a:xfrm>
+          <a:prstGeom prst="rect">
+            <a:avLst/>
+          </a:prstGeom>
+        </p:spPr>
+      </p:pic>
+      <p:pic>
+        <p:nvPicPr>
+          <p:cNvPr id="7" name="Image 6">
+            <a:extLst>
+              <a:ext uri="{FF2B5EF4-FFF2-40B4-BE49-F238E27FC236}">
+                <a16:creationId xmlns:a16="http://schemas.microsoft.com/office/drawing/2014/main" id="{E9BAB5E0-A066-42DE-875A-A262EB5DAA25}"/>
+              </a:ext>
+            </a:extLst>
+          </p:cNvPr>
+          <p:cNvPicPr>
+            <a:picLocks noChangeAspect="1"/>
+          </p:cNvPicPr>
+          <p:nvPr/>
+        </p:nvPicPr>
+        <p:blipFill>
+          <a:blip r:embed="rId3"/>
+          <a:stretch>
+            <a:fillRect/>
+          </a:stretch>
+        </p:blipFill>
+        <p:spPr>
+          <a:xfrm>
+            <a:off x="4572000" y="1092618"/>
+            <a:ext cx="4465813" cy="3168000"/>
           </a:xfrm>
           <a:prstGeom prst="rect">
             <a:avLst/>
@@ -3060,7 +3120,7 @@
           <a:p>
             <a:r>
               <a:rPr lang="fr-FR" dirty="0"/>
-              <a:t>Eléments statistiques</a:t>
+              <a:t>Eléments statistiques : 01/01/13 – 01/05/18</a:t>
             </a:r>
           </a:p>
         </p:txBody>
@@ -3265,7 +3325,7 @@
           <a:p>
             <a:r>
               <a:rPr lang="fr-FR" dirty="0"/>
-              <a:t>Eléments statistiques</a:t>
+              <a:t>Eléments statistiques : 01/01/13 – 01/05/18</a:t>
             </a:r>
           </a:p>
         </p:txBody>
@@ -3292,39 +3352,97 @@
           </a:p>
         </p:txBody>
       </p:sp>
-      <p:pic>
-        <p:nvPicPr>
-          <p:cNvPr id="9" name="Image 8">
+      <p:sp>
+        <p:nvSpPr>
+          <p:cNvPr id="7" name="Espace réservé du texte 5">
             <a:extLst>
               <a:ext uri="{FF2B5EF4-FFF2-40B4-BE49-F238E27FC236}">
-                <a16:creationId xmlns:a16="http://schemas.microsoft.com/office/drawing/2014/main" id="{4968A32F-BF45-47B5-9C49-40ACE6082FF5}"/>
+                <a16:creationId xmlns:a16="http://schemas.microsoft.com/office/drawing/2014/main" id="{8362C272-A1CA-4F53-9A7C-29A0460A0644}"/>
               </a:ext>
             </a:extLst>
           </p:cNvPr>
-          <p:cNvPicPr>
-            <a:picLocks noChangeAspect="1"/>
-          </p:cNvPicPr>
-          <p:nvPr/>
-        </p:nvPicPr>
-        <p:blipFill rotWithShape="1">
-          <a:blip r:embed="rId2"/>
-          <a:srcRect l="3766" t="4590" r="4083" b="3237"/>
-          <a:stretch/>
-        </p:blipFill>
+          <p:cNvSpPr>
+            <a:spLocks noGrp="1"/>
+          </p:cNvSpPr>
+          <p:nvPr>
+            <p:ph type="body" sz="quarter" idx="16"/>
+          </p:nvPr>
+        </p:nvSpPr>
         <p:spPr>
           <a:xfrm>
-            <a:off x="628482" y="924653"/>
-            <a:ext cx="7887035" cy="3667280"/>
+            <a:off x="225426" y="952962"/>
+            <a:ext cx="8716694" cy="3684002"/>
           </a:xfrm>
-          <a:prstGeom prst="rect">
-            <a:avLst/>
-          </a:prstGeom>
         </p:spPr>
-      </p:pic>
+        <p:txBody>
+          <a:bodyPr/>
+          <a:lstStyle/>
+          <a:p>
+            <a:endParaRPr lang="fr-FR" dirty="0"/>
+          </a:p>
+          <a:p>
+            <a:endParaRPr lang="fr-FR" dirty="0"/>
+          </a:p>
+          <a:p>
+            <a:endParaRPr lang="fr-FR" dirty="0"/>
+          </a:p>
+          <a:p>
+            <a:r>
+              <a:rPr lang="fr-FR" dirty="0"/>
+              <a:t>Nombre de racers : 96568</a:t>
+            </a:r>
+          </a:p>
+          <a:p>
+            <a:pPr marL="0" indent="0">
+              <a:buNone/>
+            </a:pPr>
+            <a:endParaRPr lang="fr-FR" dirty="0"/>
+          </a:p>
+          <a:p>
+            <a:pPr marL="0" indent="0">
+              <a:buNone/>
+            </a:pPr>
+            <a:endParaRPr lang="fr-FR" dirty="0"/>
+          </a:p>
+          <a:p>
+            <a:r>
+              <a:rPr lang="fr-FR" dirty="0"/>
+              <a:t>Nombre de winners : 9988</a:t>
+            </a:r>
+          </a:p>
+          <a:p>
+            <a:pPr marL="0" indent="0">
+              <a:buNone/>
+            </a:pPr>
+            <a:endParaRPr lang="fr-FR" dirty="0"/>
+          </a:p>
+          <a:p>
+            <a:pPr marL="0" indent="0">
+              <a:buNone/>
+            </a:pPr>
+            <a:endParaRPr lang="fr-FR" dirty="0"/>
+          </a:p>
+          <a:p>
+            <a:r>
+              <a:rPr lang="fr-FR" dirty="0"/>
+              <a:t>Nombre de courses : 353820</a:t>
+            </a:r>
+          </a:p>
+          <a:p>
+            <a:pPr marL="0" indent="0">
+              <a:buNone/>
+            </a:pPr>
+            <a:br>
+              <a:rPr lang="fr-FR" dirty="0"/>
+            </a:br>
+            <a:endParaRPr lang="fr-FR" dirty="0"/>
+          </a:p>
+        </p:txBody>
+      </p:sp>
     </p:spTree>
     <p:extLst>
       <p:ext uri="{BB962C8B-B14F-4D97-AF65-F5344CB8AC3E}">
-        <p14:creationId xmlns:p14="http://schemas.microsoft.com/office/powerpoint/2010/main" val="3755653641"/>
+        <p14:creationId xmlns:p14="http://schemas.microsoft.com/office/powerpoint/2010/main" val="2727881568"/>
       </p:ext>
     </p:extLst>
   </p:cSld>
@@ -3438,8 +3556,8 @@
           </a:p>
         </p:txBody>
       </p:sp>
-      <mc:AlternateContent xmlns:mc="http://schemas.openxmlformats.org/markup-compatibility/2006">
-        <mc:Choice xmlns:a14="http://schemas.microsoft.com/office/drawing/2010/main" Requires="a14">
+      <mc:AlternateContent xmlns:mc="http://schemas.openxmlformats.org/markup-compatibility/2006" xmlns:a14="http://schemas.microsoft.com/office/drawing/2010/main">
+        <mc:Choice Requires="a14">
           <p:sp>
             <p:nvSpPr>
               <p:cNvPr id="6" name="Espace réservé du texte 5"/>
@@ -3577,18 +3695,13 @@
                 <a:pPr lvl="1"/>
                 <a:r>
                   <a:rPr lang="fr-FR" dirty="0"/>
-                  <a:t>45,8</a:t>
+                  <a:t>45,8% en 10 minutes</a:t>
                 </a:r>
-                <a:r>
-                  <a:rPr lang="fr-FR" dirty="0" smtClean="0"/>
-                  <a:t>% en 10 minutes</a:t>
-                </a:r>
-                <a:endParaRPr lang="fr-FR" dirty="0"/>
               </a:p>
             </p:txBody>
           </p:sp>
         </mc:Choice>
-        <mc:Fallback>
+        <mc:Fallback xmlns="">
           <p:sp>
             <p:nvSpPr>
               <p:cNvPr id="6" name="Espace réservé du texte 5"/>
@@ -3837,20 +3950,15 @@
             <a:pPr lvl="1"/>
             <a:r>
               <a:rPr lang="fr-FR" dirty="0"/>
-              <a:t>Influence des séries temporelles (santé</a:t>
-            </a:r>
-            <a:r>
-              <a:rPr lang="fr-FR" dirty="0" smtClean="0"/>
-              <a:t>)</a:t>
+              <a:t>Influence des séries temporelles (santé)</a:t>
             </a:r>
           </a:p>
           <a:p>
             <a:pPr lvl="1"/>
             <a:r>
-              <a:rPr lang="fr-FR" dirty="0" smtClean="0"/>
+              <a:rPr lang="fr-FR" dirty="0"/>
               <a:t>Paris avec suffisamment d’infos</a:t>
             </a:r>
-            <a:endParaRPr lang="fr-FR" dirty="0"/>
           </a:p>
           <a:p>
             <a:pPr lvl="1"/>
@@ -3887,6 +3995,211 @@
     <p:extLst>
       <p:ext uri="{BB962C8B-B14F-4D97-AF65-F5344CB8AC3E}">
         <p14:creationId xmlns:p14="http://schemas.microsoft.com/office/powerpoint/2010/main" val="1709984300"/>
+      </p:ext>
+    </p:extLst>
+  </p:cSld>
+  <p:clrMapOvr>
+    <a:masterClrMapping/>
+  </p:clrMapOvr>
+</p:sld>
+</file>
+
+<file path=ppt/slides/slide9.xml><?xml version="1.0" encoding="utf-8"?>
+<p:sld xmlns:a="http://schemas.openxmlformats.org/drawingml/2006/main" xmlns:r="http://schemas.openxmlformats.org/officeDocument/2006/relationships" xmlns:p="http://schemas.openxmlformats.org/presentationml/2006/main">
+  <p:cSld>
+    <p:spTree>
+      <p:nvGrpSpPr>
+        <p:cNvPr id="1" name=""/>
+        <p:cNvGrpSpPr/>
+        <p:nvPr/>
+      </p:nvGrpSpPr>
+      <p:grpSpPr>
+        <a:xfrm>
+          <a:off x="0" y="0"/>
+          <a:ext cx="0" cy="0"/>
+          <a:chOff x="0" y="0"/>
+          <a:chExt cx="0" cy="0"/>
+        </a:xfrm>
+      </p:grpSpPr>
+      <p:sp>
+        <p:nvSpPr>
+          <p:cNvPr id="2" name="Espace réservé du texte 1"/>
+          <p:cNvSpPr>
+            <a:spLocks noGrp="1"/>
+          </p:cNvSpPr>
+          <p:nvPr>
+            <p:ph type="body" sz="quarter" idx="13"/>
+          </p:nvPr>
+        </p:nvSpPr>
+        <p:spPr/>
+        <p:txBody>
+          <a:bodyPr/>
+          <a:lstStyle/>
+          <a:p>
+            <a:endParaRPr lang="fr-FR"/>
+          </a:p>
+        </p:txBody>
+      </p:sp>
+      <p:sp>
+        <p:nvSpPr>
+          <p:cNvPr id="3" name="Espace réservé du numéro de diapositive 2"/>
+          <p:cNvSpPr>
+            <a:spLocks noGrp="1"/>
+          </p:cNvSpPr>
+          <p:nvPr>
+            <p:ph type="sldNum" sz="quarter" idx="4"/>
+          </p:nvPr>
+        </p:nvSpPr>
+        <p:spPr/>
+        <p:txBody>
+          <a:bodyPr/>
+          <a:lstStyle/>
+          <a:p>
+            <a:fld id="{3864B25B-A71F-FF47-93CD-9A6DDB480E7B}" type="slidenum">
+              <a:rPr lang="fr-FR" smtClean="0"/>
+              <a:pPr/>
+              <a:t>9</a:t>
+            </a:fld>
+            <a:endParaRPr lang="fr-FR" dirty="0"/>
+          </a:p>
+        </p:txBody>
+      </p:sp>
+      <p:sp>
+        <p:nvSpPr>
+          <p:cNvPr id="4" name="Espace réservé du texte 3"/>
+          <p:cNvSpPr>
+            <a:spLocks noGrp="1"/>
+          </p:cNvSpPr>
+          <p:nvPr>
+            <p:ph type="body" sz="quarter" idx="14"/>
+          </p:nvPr>
+        </p:nvSpPr>
+        <p:spPr/>
+        <p:txBody>
+          <a:bodyPr/>
+          <a:lstStyle/>
+          <a:p>
+            <a:r>
+              <a:rPr lang="fr-FR" dirty="0"/>
+              <a:t>Mise en production</a:t>
+            </a:r>
+          </a:p>
+        </p:txBody>
+      </p:sp>
+      <p:sp>
+        <p:nvSpPr>
+          <p:cNvPr id="5" name="Espace réservé du texte 4"/>
+          <p:cNvSpPr>
+            <a:spLocks noGrp="1"/>
+          </p:cNvSpPr>
+          <p:nvPr>
+            <p:ph type="body" sz="quarter" idx="15"/>
+          </p:nvPr>
+        </p:nvSpPr>
+        <p:spPr/>
+        <p:txBody>
+          <a:bodyPr/>
+          <a:lstStyle/>
+          <a:p>
+            <a:r>
+              <a:rPr lang="fr-FR" dirty="0"/>
+              <a:t>Paris sportifs </a:t>
+            </a:r>
+          </a:p>
+        </p:txBody>
+      </p:sp>
+      <p:sp>
+        <p:nvSpPr>
+          <p:cNvPr id="9" name="Espace réservé du texte 5"/>
+          <p:cNvSpPr>
+            <a:spLocks noGrp="1"/>
+          </p:cNvSpPr>
+          <p:nvPr>
+            <p:ph type="body" sz="quarter" idx="16"/>
+          </p:nvPr>
+        </p:nvSpPr>
+        <p:spPr/>
+        <p:txBody>
+          <a:bodyPr/>
+          <a:lstStyle/>
+          <a:p>
+            <a:r>
+              <a:rPr lang="fr-FR" dirty="0"/>
+              <a:t>Données</a:t>
+            </a:r>
+          </a:p>
+          <a:p>
+            <a:pPr lvl="1"/>
+            <a:r>
+              <a:rPr lang="fr-FR" dirty="0"/>
+              <a:t>Données issues de </a:t>
+            </a:r>
+            <a:r>
+              <a:rPr lang="fr-FR" dirty="0" err="1"/>
+              <a:t>Betfair</a:t>
+            </a:r>
+            <a:r>
+              <a:rPr lang="fr-FR" dirty="0"/>
+              <a:t> incomplètes (pas de cotes) </a:t>
+            </a:r>
+          </a:p>
+          <a:p>
+            <a:pPr lvl="1"/>
+            <a:r>
+              <a:rPr lang="fr-FR" dirty="0"/>
+              <a:t>Difficulté d’accès aux données françaises</a:t>
+            </a:r>
+          </a:p>
+          <a:p>
+            <a:pPr lvl="1"/>
+            <a:endParaRPr lang="fr-FR" dirty="0"/>
+          </a:p>
+          <a:p>
+            <a:pPr lvl="1"/>
+            <a:endParaRPr lang="fr-FR" dirty="0"/>
+          </a:p>
+          <a:p>
+            <a:r>
+              <a:rPr lang="fr-FR" dirty="0"/>
+              <a:t>Implémentation</a:t>
+            </a:r>
+          </a:p>
+          <a:p>
+            <a:pPr lvl="1"/>
+            <a:r>
+              <a:rPr lang="fr-FR" dirty="0"/>
+              <a:t>Impossibilité d’utiliser l’API </a:t>
+            </a:r>
+            <a:r>
+              <a:rPr lang="fr-FR" dirty="0" err="1"/>
+              <a:t>Betfair</a:t>
+            </a:r>
+            <a:r>
+              <a:rPr lang="fr-FR" dirty="0"/>
+              <a:t> en France (le faire depuis l’étranger?)</a:t>
+            </a:r>
+          </a:p>
+          <a:p>
+            <a:pPr lvl="1"/>
+            <a:r>
+              <a:rPr lang="fr-FR" dirty="0"/>
+              <a:t>La </a:t>
+            </a:r>
+            <a:r>
+              <a:rPr lang="fr-FR" dirty="0" err="1"/>
+              <a:t>FdJ</a:t>
+            </a:r>
+            <a:r>
+              <a:rPr lang="fr-FR" dirty="0"/>
+              <a:t> ne met pas d’API à disposition (rentrer les paris à la main?)</a:t>
+            </a:r>
+          </a:p>
+        </p:txBody>
+      </p:sp>
+    </p:spTree>
+    <p:extLst>
+      <p:ext uri="{BB962C8B-B14F-4D97-AF65-F5344CB8AC3E}">
+        <p14:creationId xmlns:p14="http://schemas.microsoft.com/office/powerpoint/2010/main" val="1916297883"/>
       </p:ext>
     </p:extLst>
   </p:cSld>
